--- a/trunk/draft/中期.pptx
+++ b/trunk/draft/中期.pptx
@@ -5,7 +5,7 @@
     <p:sldMasterId id="2147483732" r:id="rId1"/>
   </p:sldMasterIdLst>
   <p:notesMasterIdLst>
-    <p:notesMasterId r:id="rId19"/>
+    <p:notesMasterId r:id="rId20"/>
   </p:notesMasterIdLst>
   <p:sldIdLst>
     <p:sldId id="256" r:id="rId2"/>
@@ -23,8 +23,9 @@
     <p:sldId id="262" r:id="rId14"/>
     <p:sldId id="271" r:id="rId15"/>
     <p:sldId id="287" r:id="rId16"/>
-    <p:sldId id="288" r:id="rId17"/>
-    <p:sldId id="273" r:id="rId18"/>
+    <p:sldId id="289" r:id="rId17"/>
+    <p:sldId id="288" r:id="rId18"/>
+    <p:sldId id="273" r:id="rId19"/>
   </p:sldIdLst>
   <p:sldSz cx="9144000" cy="6858000" type="screen4x3"/>
   <p:notesSz cx="6858000" cy="9144000"/>
@@ -12413,7 +12414,11 @@
           <a:bodyPr/>
           <a:lstStyle/>
           <a:p>
-            <a:endParaRPr lang="zh-CN" altLang="en-US"/>
+            <a:r>
+              <a:rPr lang="zh-CN" altLang="en-US" dirty="0" smtClean="0"/>
+              <a:t>学术论文提纲</a:t>
+            </a:r>
+            <a:endParaRPr lang="zh-CN" altLang="en-US" dirty="0"/>
           </a:p>
         </p:txBody>
       </p:sp>
@@ -12460,6 +12465,194 @@
           </a:p>
         </p:txBody>
       </p:sp>
+      <p:sp>
+        <p:nvSpPr>
+          <p:cNvPr id="5" name="内容占位符 4"/>
+          <p:cNvSpPr>
+            <a:spLocks noGrp="1"/>
+          </p:cNvSpPr>
+          <p:nvPr>
+            <p:ph sz="quarter" idx="1"/>
+          </p:nvPr>
+        </p:nvSpPr>
+        <p:spPr/>
+        <p:txBody>
+          <a:bodyPr/>
+          <a:lstStyle/>
+          <a:p>
+            <a:r>
+              <a:rPr lang="en-US" altLang="zh-CN" dirty="0" smtClean="0"/>
+              <a:t>1. </a:t>
+            </a:r>
+            <a:r>
+              <a:rPr lang="zh-CN" altLang="en-US" dirty="0" smtClean="0"/>
+              <a:t>绪论</a:t>
+            </a:r>
+            <a:endParaRPr lang="en-US" altLang="zh-CN" dirty="0" smtClean="0"/>
+          </a:p>
+          <a:p>
+            <a:r>
+              <a:rPr lang="en-US" altLang="zh-CN" dirty="0" smtClean="0"/>
+              <a:t>2. </a:t>
+            </a:r>
+            <a:r>
+              <a:rPr lang="zh-CN" altLang="en-US" dirty="0" smtClean="0"/>
+              <a:t>对象文件系统中元数据管理方法概述</a:t>
+            </a:r>
+            <a:endParaRPr lang="en-US" altLang="zh-CN" dirty="0" smtClean="0"/>
+          </a:p>
+          <a:p>
+            <a:r>
+              <a:rPr lang="en-US" altLang="zh-CN" dirty="0" smtClean="0"/>
+              <a:t>3. </a:t>
+            </a:r>
+            <a:r>
+              <a:rPr lang="en-US" altLang="zh-CN" dirty="0" err="1" smtClean="0"/>
+              <a:t>sfs</a:t>
+            </a:r>
+            <a:r>
+              <a:rPr lang="zh-CN" altLang="en-US" dirty="0" smtClean="0"/>
+              <a:t>的实现</a:t>
+            </a:r>
+            <a:endParaRPr lang="en-US" altLang="zh-CN" dirty="0" smtClean="0"/>
+          </a:p>
+          <a:p>
+            <a:r>
+              <a:rPr lang="en-US" altLang="zh-CN" dirty="0" smtClean="0"/>
+              <a:t>4. </a:t>
+            </a:r>
+            <a:r>
+              <a:rPr lang="en-US" altLang="zh-CN" dirty="0" err="1" smtClean="0"/>
+              <a:t>sfs</a:t>
+            </a:r>
+            <a:r>
+              <a:rPr lang="zh-CN" altLang="en-US" dirty="0" smtClean="0"/>
+              <a:t>中元数据管理算法</a:t>
+            </a:r>
+            <a:endParaRPr lang="en-US" altLang="zh-CN" dirty="0" smtClean="0"/>
+          </a:p>
+          <a:p>
+            <a:r>
+              <a:rPr lang="en-US" altLang="zh-CN" dirty="0" smtClean="0"/>
+              <a:t>5. </a:t>
+            </a:r>
+            <a:r>
+              <a:rPr lang="en-US" altLang="zh-CN" dirty="0" err="1" smtClean="0"/>
+              <a:t>sfs</a:t>
+            </a:r>
+            <a:r>
+              <a:rPr lang="zh-CN" altLang="en-US" dirty="0" smtClean="0"/>
+              <a:t>文件系统</a:t>
+            </a:r>
+            <a:r>
+              <a:rPr lang="en-US" altLang="zh-CN" dirty="0" smtClean="0"/>
+              <a:t>benchmark</a:t>
+            </a:r>
+          </a:p>
+          <a:p>
+            <a:r>
+              <a:rPr lang="en-US" altLang="zh-CN" dirty="0" smtClean="0"/>
+              <a:t>6. </a:t>
+            </a:r>
+            <a:r>
+              <a:rPr lang="zh-CN" altLang="en-US" dirty="0" smtClean="0"/>
+              <a:t>结束语</a:t>
+            </a:r>
+            <a:endParaRPr lang="zh-CN" altLang="en-US" dirty="0"/>
+          </a:p>
+        </p:txBody>
+      </p:sp>
+    </p:spTree>
+  </p:cSld>
+  <p:clrMapOvr>
+    <a:masterClrMapping/>
+  </p:clrMapOvr>
+</p:sld>
+</file>
+
+<file path=ppt/slides/slide17.xml><?xml version="1.0" encoding="utf-8"?>
+<p:sld xmlns:a="http://schemas.openxmlformats.org/drawingml/2006/main" xmlns:r="http://schemas.openxmlformats.org/officeDocument/2006/relationships" xmlns:p="http://schemas.openxmlformats.org/presentationml/2006/main">
+  <p:cSld>
+    <p:spTree>
+      <p:nvGrpSpPr>
+        <p:cNvPr id="1" name=""/>
+        <p:cNvGrpSpPr/>
+        <p:nvPr/>
+      </p:nvGrpSpPr>
+      <p:grpSpPr>
+        <a:xfrm>
+          <a:off x="0" y="0"/>
+          <a:ext cx="0" cy="0"/>
+          <a:chOff x="0" y="0"/>
+          <a:chExt cx="0" cy="0"/>
+        </a:xfrm>
+      </p:grpSpPr>
+      <p:sp>
+        <p:nvSpPr>
+          <p:cNvPr id="2" name="标题 1"/>
+          <p:cNvSpPr>
+            <a:spLocks noGrp="1"/>
+          </p:cNvSpPr>
+          <p:nvPr>
+            <p:ph type="title"/>
+          </p:nvPr>
+        </p:nvSpPr>
+        <p:spPr/>
+        <p:txBody>
+          <a:bodyPr/>
+          <a:lstStyle/>
+          <a:p>
+            <a:r>
+              <a:rPr lang="zh-CN" altLang="en-US" dirty="0" smtClean="0"/>
+              <a:t>科研项目的完成情况</a:t>
+            </a:r>
+            <a:endParaRPr lang="zh-CN" altLang="en-US" dirty="0"/>
+          </a:p>
+        </p:txBody>
+      </p:sp>
+      <p:sp>
+        <p:nvSpPr>
+          <p:cNvPr id="3" name="页脚占位符 2"/>
+          <p:cNvSpPr>
+            <a:spLocks noGrp="1"/>
+          </p:cNvSpPr>
+          <p:nvPr>
+            <p:ph type="ftr" sz="quarter" idx="11"/>
+          </p:nvPr>
+        </p:nvSpPr>
+        <p:spPr/>
+        <p:txBody>
+          <a:bodyPr/>
+          <a:lstStyle/>
+          <a:p>
+            <a:endParaRPr lang="zh-CN" altLang="en-US"/>
+          </a:p>
+        </p:txBody>
+      </p:sp>
+      <p:sp>
+        <p:nvSpPr>
+          <p:cNvPr id="4" name="灯片编号占位符 3"/>
+          <p:cNvSpPr>
+            <a:spLocks noGrp="1"/>
+          </p:cNvSpPr>
+          <p:nvPr>
+            <p:ph type="sldNum" sz="quarter" idx="12"/>
+          </p:nvPr>
+        </p:nvSpPr>
+        <p:spPr/>
+        <p:txBody>
+          <a:bodyPr/>
+          <a:lstStyle/>
+          <a:p>
+            <a:fld id="{D114F199-ED81-4DDD-A1D7-86D5FA93F928}" type="slidenum">
+              <a:rPr lang="zh-CN" altLang="en-US" smtClean="0"/>
+              <a:pPr/>
+              <a:t>17</a:t>
+            </a:fld>
+            <a:endParaRPr lang="zh-CN" altLang="en-US"/>
+          </a:p>
+        </p:txBody>
+      </p:sp>
       <p:graphicFrame>
         <p:nvGraphicFramePr>
           <p:cNvPr id="6" name="内容占位符 5"/>
@@ -12472,7 +12665,7 @@
         </p:nvGraphicFramePr>
         <p:xfrm>
           <a:off x="214282" y="1428736"/>
-          <a:ext cx="8643998" cy="4500595"/>
+          <a:ext cx="8643998" cy="3729064"/>
         </p:xfrm>
         <a:graphic>
           <a:graphicData uri="http://schemas.openxmlformats.org/drawingml/2006/table">
@@ -12485,7 +12678,7 @@
                 <a:gridCol w="2113397"/>
                 <a:gridCol w="4220567"/>
               </a:tblGrid>
-              <a:tr h="900119">
+              <a:tr h="357190">
                 <a:tc>
                   <a:txBody>
                     <a:bodyPr/>
@@ -12507,7 +12700,13 @@
                       </a:endParaRPr>
                     </a:p>
                   </a:txBody>
-                  <a:tcPr marL="68580" marR="68580" marT="0" marB="0"/>
+                  <a:tcPr marL="68580" marR="68580" marT="0" marB="0">
+                    <a:solidFill>
+                      <a:schemeClr val="bg2">
+                        <a:lumMod val="75000"/>
+                      </a:schemeClr>
+                    </a:solidFill>
+                  </a:tcPr>
                 </a:tc>
                 <a:tc>
                   <a:txBody>
@@ -12530,7 +12729,13 @@
                       </a:endParaRPr>
                     </a:p>
                   </a:txBody>
-                  <a:tcPr marL="68580" marR="68580" marT="0" marB="0"/>
+                  <a:tcPr marL="68580" marR="68580" marT="0" marB="0">
+                    <a:solidFill>
+                      <a:schemeClr val="bg2">
+                        <a:lumMod val="75000"/>
+                      </a:schemeClr>
+                    </a:solidFill>
+                  </a:tcPr>
                 </a:tc>
                 <a:tc>
                   <a:txBody>
@@ -12553,10 +12758,16 @@
                       </a:endParaRPr>
                     </a:p>
                   </a:txBody>
-                  <a:tcPr marL="68580" marR="68580" marT="0" marB="0"/>
+                  <a:tcPr marL="68580" marR="68580" marT="0" marB="0">
+                    <a:solidFill>
+                      <a:schemeClr val="bg2">
+                        <a:lumMod val="75000"/>
+                      </a:schemeClr>
+                    </a:solidFill>
+                  </a:tcPr>
                 </a:tc>
               </a:tr>
-              <a:tr h="900119">
+              <a:tr h="571504">
                 <a:tc>
                   <a:txBody>
                     <a:bodyPr/>
@@ -12627,7 +12838,7 @@
                   <a:tcPr marL="68580" marR="68580" marT="0" marB="0"/>
                 </a:tc>
               </a:tr>
-              <a:tr h="900119">
+              <a:tr h="1000132">
                 <a:tc>
                   <a:txBody>
                     <a:bodyPr/>
@@ -12662,10 +12873,10 @@
                         </a:spcAft>
                       </a:pPr>
                       <a:r>
-                        <a:rPr lang="zh-CN" sz="2000" kern="100"/>
+                        <a:rPr lang="zh-CN" sz="2000" kern="100" dirty="0"/>
                         <a:t>联想网盘多点部署项目</a:t>
                       </a:r>
-                      <a:endParaRPr lang="zh-CN" sz="2000" kern="100">
+                      <a:endParaRPr lang="zh-CN" sz="2000" kern="100" dirty="0">
                         <a:latin typeface="Times New Roman"/>
                         <a:ea typeface="宋体"/>
                         <a:cs typeface="Times New Roman"/>
@@ -12684,6 +12895,113 @@
                           <a:spcPts val="0"/>
                         </a:spcAft>
                       </a:pPr>
+                      <a:r>
+                        <a:rPr kumimoji="0" lang="ru-RU" sz="2000" kern="1200" dirty="0" smtClean="0">
+                          <a:solidFill>
+                            <a:schemeClr val="dk1"/>
+                          </a:solidFill>
+                          <a:latin typeface="+mn-lt"/>
+                          <a:ea typeface="+mn-ea"/>
+                          <a:cs typeface="+mn-cs"/>
+                        </a:rPr>
+                        <a:t>集群文件系统研究</a:t>
+                      </a:r>
+                      <a:r>
+                        <a:rPr kumimoji="0" lang="zh-CN" altLang="en-US" sz="2000" kern="1200" dirty="0" smtClean="0">
+                          <a:solidFill>
+                            <a:schemeClr val="dk1"/>
+                          </a:solidFill>
+                          <a:latin typeface="+mn-lt"/>
+                          <a:ea typeface="+mn-ea"/>
+                          <a:cs typeface="+mn-cs"/>
+                        </a:rPr>
+                        <a:t>，</a:t>
+                      </a:r>
+                      <a:r>
+                        <a:rPr kumimoji="0" lang="en-US" altLang="zh-CN" sz="2000" kern="1200" dirty="0" err="1" smtClean="0">
+                          <a:solidFill>
+                            <a:schemeClr val="dk1"/>
+                          </a:solidFill>
+                          <a:latin typeface="+mn-lt"/>
+                          <a:ea typeface="+mn-ea"/>
+                          <a:cs typeface="+mn-cs"/>
+                        </a:rPr>
+                        <a:t>mooseFS</a:t>
+                      </a:r>
+                      <a:r>
+                        <a:rPr kumimoji="0" lang="zh-CN" altLang="en-US" sz="2000" kern="1200" dirty="0" smtClean="0">
+                          <a:solidFill>
+                            <a:schemeClr val="dk1"/>
+                          </a:solidFill>
+                          <a:latin typeface="+mn-lt"/>
+                          <a:ea typeface="+mn-ea"/>
+                          <a:cs typeface="+mn-cs"/>
+                        </a:rPr>
+                        <a:t>测试</a:t>
+                      </a:r>
+                      <a:endParaRPr kumimoji="0" lang="en-US" sz="2000" kern="1200" dirty="0" smtClean="0">
+                        <a:solidFill>
+                          <a:schemeClr val="dk1"/>
+                        </a:solidFill>
+                        <a:latin typeface="+mn-lt"/>
+                        <a:ea typeface="+mn-ea"/>
+                        <a:cs typeface="+mn-cs"/>
+                      </a:endParaRPr>
+                    </a:p>
+                    <a:p>
+                      <a:pPr algn="just">
+                        <a:spcAft>
+                          <a:spcPts val="0"/>
+                        </a:spcAft>
+                      </a:pPr>
+                      <a:r>
+                        <a:rPr kumimoji="0" lang="en-US" altLang="zh-CN" sz="2000" kern="1200" dirty="0" smtClean="0">
+                          <a:solidFill>
+                            <a:schemeClr val="dk1"/>
+                          </a:solidFill>
+                          <a:latin typeface="+mn-lt"/>
+                          <a:ea typeface="+mn-ea"/>
+                          <a:cs typeface="+mn-cs"/>
+                        </a:rPr>
+                        <a:t>IP</a:t>
+                      </a:r>
+                      <a:r>
+                        <a:rPr kumimoji="0" lang="zh-CN" altLang="en-US" sz="2000" kern="1200" dirty="0" smtClean="0">
+                          <a:solidFill>
+                            <a:schemeClr val="dk1"/>
+                          </a:solidFill>
+                          <a:latin typeface="+mn-lt"/>
+                          <a:ea typeface="+mn-ea"/>
+                          <a:cs typeface="+mn-cs"/>
+                        </a:rPr>
+                        <a:t>定位研究，数据中心评估</a:t>
+                      </a:r>
+                      <a:endParaRPr kumimoji="0" lang="en-US" altLang="zh-CN" sz="2000" kern="1200" dirty="0" smtClean="0">
+                        <a:solidFill>
+                          <a:schemeClr val="dk1"/>
+                        </a:solidFill>
+                        <a:latin typeface="+mn-lt"/>
+                        <a:ea typeface="+mn-ea"/>
+                        <a:cs typeface="+mn-cs"/>
+                      </a:endParaRPr>
+                    </a:p>
+                    <a:p>
+                      <a:pPr algn="just">
+                        <a:spcAft>
+                          <a:spcPts val="0"/>
+                        </a:spcAft>
+                      </a:pPr>
+                      <a:r>
+                        <a:rPr kumimoji="0" lang="zh-CN" altLang="en-US" sz="2000" kern="1200" dirty="0" smtClean="0">
+                          <a:solidFill>
+                            <a:schemeClr val="dk1"/>
+                          </a:solidFill>
+                          <a:latin typeface="+mn-lt"/>
+                          <a:ea typeface="+mn-ea"/>
+                          <a:cs typeface="+mn-cs"/>
+                        </a:rPr>
+                        <a:t>实现路由模块，数据迁移模块</a:t>
+                      </a:r>
                       <a:endParaRPr lang="en-US" sz="2000" kern="100" dirty="0">
                         <a:latin typeface="Times New Roman"/>
                         <a:ea typeface="宋体"/>
@@ -12751,6 +13069,14 @@
                           <a:spcPts val="0"/>
                         </a:spcAft>
                       </a:pPr>
+                      <a:r>
+                        <a:rPr lang="zh-CN" altLang="en-US" sz="2000" kern="100" dirty="0" smtClean="0">
+                          <a:latin typeface="Times New Roman"/>
+                          <a:ea typeface="宋体"/>
+                          <a:cs typeface="Times New Roman"/>
+                        </a:rPr>
+                        <a:t>实现监控逻辑代码和短信发送模块</a:t>
+                      </a:r>
                       <a:endParaRPr lang="en-US" sz="2000" kern="100" dirty="0">
                         <a:latin typeface="Times New Roman"/>
                         <a:ea typeface="宋体"/>
@@ -12852,7 +13178,7 @@
 </p:sld>
 </file>
 
-<file path=ppt/slides/slide17.xml><?xml version="1.0" encoding="utf-8"?>
+<file path=ppt/slides/slide18.xml><?xml version="1.0" encoding="utf-8"?>
 <p:sld xmlns:a="http://schemas.openxmlformats.org/drawingml/2006/main" xmlns:r="http://schemas.openxmlformats.org/officeDocument/2006/relationships" xmlns:p="http://schemas.openxmlformats.org/presentationml/2006/main">
   <p:cSld>
     <p:spTree>
@@ -12919,7 +13245,7 @@
             <a:fld id="{D114F199-ED81-4DDD-A1D7-86D5FA93F928}" type="slidenum">
               <a:rPr lang="zh-CN" altLang="en-US" smtClean="0"/>
               <a:pPr/>
-              <a:t>17</a:t>
+              <a:t>18</a:t>
             </a:fld>
             <a:endParaRPr lang="zh-CN" altLang="en-US"/>
           </a:p>

--- a/trunk/draft/中期.pptx
+++ b/trunk/draft/中期.pptx
@@ -5781,7 +5781,7 @@
         </p:blipFill>
         <p:spPr bwMode="auto">
           <a:xfrm>
-            <a:off x="3665568" y="2857496"/>
+            <a:off x="3665568" y="2500306"/>
             <a:ext cx="5264150" cy="1820863"/>
           </a:xfrm>
           <a:prstGeom prst="rect">
@@ -6371,6 +6371,13 @@
   <p:clrMapOvr>
     <a:masterClrMapping/>
   </p:clrMapOvr>
+  <p:timing>
+    <p:tnLst>
+      <p:par>
+        <p:cTn id="1" dur="indefinite" restart="never" nodeType="tmRoot"/>
+      </p:par>
+    </p:tnLst>
+  </p:timing>
 </p:sld>
 </file>
 
